--- a/Final/Bitcoin Slides.pptx
+++ b/Final/Bitcoin Slides.pptx
@@ -210,7 +210,7 @@
         </pc:picChg>
       </pc:sldChg>
       <pc:sldChg chg="addSp delSp modSp add ord">
-        <pc:chgData name="Rupali Shah" userId="d04d540c693fdaed" providerId="LiveId" clId="{36922F98-5654-442A-97A5-CBEABFA09EEE}" dt="2018-04-04T19:03:11.500" v="1018"/>
+        <pc:chgData name="Rupali Shah" userId="d04d540c693fdaed" providerId="LiveId" clId="{36922F98-5654-442A-97A5-CBEABFA09EEE}" dt="2018-04-04T19:03:11.500" v="1018" actId="20577"/>
         <pc:sldMkLst>
           <pc:docMk/>
           <pc:sldMk cId="3962622403" sldId="259"/>
@@ -316,20 +316,20 @@
             <ac:spMk id="2" creationId="{FC5C7A7B-4B86-4BD0-9E6C-0B6FB1793EE9}"/>
           </ac:spMkLst>
         </pc:spChg>
+        <pc:spChg chg="add mod">
+          <ac:chgData name="Rupali Shah" userId="d04d540c693fdaed" providerId="LiveId" clId="{36922F98-5654-442A-97A5-CBEABFA09EEE}" dt="2018-04-04T18:53:26.264" v="1013" actId="14100"/>
+          <ac:spMkLst>
+            <pc:docMk/>
+            <pc:sldMk cId="1084857469" sldId="262"/>
+            <ac:spMk id="3" creationId="{281A4B4C-F143-438D-A14A-B09543AE8627}"/>
+          </ac:spMkLst>
+        </pc:spChg>
         <pc:spChg chg="del">
           <ac:chgData name="Rupali Shah" userId="d04d540c693fdaed" providerId="LiveId" clId="{36922F98-5654-442A-97A5-CBEABFA09EEE}" dt="2018-04-04T05:05:22.712" v="855" actId="255"/>
           <ac:spMkLst>
             <pc:docMk/>
             <pc:sldMk cId="1084857469" sldId="262"/>
             <ac:spMk id="3" creationId="{E2D8BE7A-EDF4-4769-B5F4-E38140150AF0}"/>
-          </ac:spMkLst>
-        </pc:spChg>
-        <pc:spChg chg="add mod">
-          <ac:chgData name="Rupali Shah" userId="d04d540c693fdaed" providerId="LiveId" clId="{36922F98-5654-442A-97A5-CBEABFA09EEE}" dt="2018-04-04T18:53:26.264" v="1013"/>
-          <ac:spMkLst>
-            <pc:docMk/>
-            <pc:sldMk cId="1084857469" sldId="262"/>
-            <ac:spMk id="3" creationId="{281A4B4C-F143-438D-A14A-B09543AE8627}"/>
           </ac:spMkLst>
         </pc:spChg>
         <pc:picChg chg="add mod">
@@ -364,7 +364,7 @@
           </ac:spMkLst>
         </pc:spChg>
         <pc:spChg chg="add mod">
-          <ac:chgData name="Rupali Shah" userId="d04d540c693fdaed" providerId="LiveId" clId="{36922F98-5654-442A-97A5-CBEABFA09EEE}" dt="2018-04-04T18:52:45.251" v="1009"/>
+          <ac:chgData name="Rupali Shah" userId="d04d540c693fdaed" providerId="LiveId" clId="{36922F98-5654-442A-97A5-CBEABFA09EEE}" dt="2018-04-04T18:52:45.251" v="1009" actId="14100"/>
           <ac:spMkLst>
             <pc:docMk/>
             <pc:sldMk cId="1113102094" sldId="263"/>
@@ -403,7 +403,7 @@
           </ac:spMkLst>
         </pc:spChg>
         <pc:spChg chg="add mod">
-          <ac:chgData name="Rupali Shah" userId="d04d540c693fdaed" providerId="LiveId" clId="{36922F98-5654-442A-97A5-CBEABFA09EEE}" dt="2018-04-04T18:52:19.663" v="1005"/>
+          <ac:chgData name="Rupali Shah" userId="d04d540c693fdaed" providerId="LiveId" clId="{36922F98-5654-442A-97A5-CBEABFA09EEE}" dt="2018-04-04T18:52:19.663" v="1005" actId="14100"/>
           <ac:spMkLst>
             <pc:docMk/>
             <pc:sldMk cId="2541753556" sldId="264"/>
@@ -426,7 +426,7 @@
           <pc:sldMk cId="3931622969" sldId="265"/>
         </pc:sldMkLst>
         <pc:spChg chg="del">
-          <ac:chgData name="Rupali Shah" userId="d04d540c693fdaed" providerId="LiveId" clId="{36922F98-5654-442A-97A5-CBEABFA09EEE}" dt="2018-04-04T18:51:44.517" v="1002"/>
+          <ac:chgData name="Rupali Shah" userId="d04d540c693fdaed" providerId="LiveId" clId="{36922F98-5654-442A-97A5-CBEABFA09EEE}" dt="2018-04-04T18:51:44.517" v="1002" actId="14100"/>
           <ac:spMkLst>
             <pc:docMk/>
             <pc:sldMk cId="3931622969" sldId="265"/>
@@ -442,7 +442,7 @@
           </ac:spMkLst>
         </pc:spChg>
         <pc:spChg chg="add mod">
-          <ac:chgData name="Rupali Shah" userId="d04d540c693fdaed" providerId="LiveId" clId="{36922F98-5654-442A-97A5-CBEABFA09EEE}" dt="2018-04-04T18:51:44.517" v="1002"/>
+          <ac:chgData name="Rupali Shah" userId="d04d540c693fdaed" providerId="LiveId" clId="{36922F98-5654-442A-97A5-CBEABFA09EEE}" dt="2018-04-04T18:51:44.517" v="1002" actId="14100"/>
           <ac:spMkLst>
             <pc:docMk/>
             <pc:sldMk cId="3931622969" sldId="265"/>
@@ -450,7 +450,7 @@
           </ac:spMkLst>
         </pc:spChg>
         <pc:spChg chg="add mod">
-          <ac:chgData name="Rupali Shah" userId="d04d540c693fdaed" providerId="LiveId" clId="{36922F98-5654-442A-97A5-CBEABFA09EEE}" dt="2018-04-04T18:51:44.517" v="1002"/>
+          <ac:chgData name="Rupali Shah" userId="d04d540c693fdaed" providerId="LiveId" clId="{36922F98-5654-442A-97A5-CBEABFA09EEE}" dt="2018-04-04T18:51:44.517" v="1002" actId="14100"/>
           <ac:spMkLst>
             <pc:docMk/>
             <pc:sldMk cId="3931622969" sldId="265"/>
@@ -473,7 +473,7 @@
           <pc:sldMk cId="2769338317" sldId="266"/>
         </pc:sldMkLst>
         <pc:spChg chg="del">
-          <ac:chgData name="Rupali Shah" userId="d04d540c693fdaed" providerId="LiveId" clId="{36922F98-5654-442A-97A5-CBEABFA09EEE}" dt="2018-04-04T18:51:05.367" v="998"/>
+          <ac:chgData name="Rupali Shah" userId="d04d540c693fdaed" providerId="LiveId" clId="{36922F98-5654-442A-97A5-CBEABFA09EEE}" dt="2018-04-04T18:51:05.367" v="998" actId="1076"/>
           <ac:spMkLst>
             <pc:docMk/>
             <pc:sldMk cId="2769338317" sldId="266"/>
@@ -489,7 +489,7 @@
           </ac:spMkLst>
         </pc:spChg>
         <pc:spChg chg="add mod">
-          <ac:chgData name="Rupali Shah" userId="d04d540c693fdaed" providerId="LiveId" clId="{36922F98-5654-442A-97A5-CBEABFA09EEE}" dt="2018-04-04T18:51:05.367" v="998"/>
+          <ac:chgData name="Rupali Shah" userId="d04d540c693fdaed" providerId="LiveId" clId="{36922F98-5654-442A-97A5-CBEABFA09EEE}" dt="2018-04-04T18:51:05.367" v="998" actId="1076"/>
           <ac:spMkLst>
             <pc:docMk/>
             <pc:sldMk cId="2769338317" sldId="266"/>
@@ -497,7 +497,7 @@
           </ac:spMkLst>
         </pc:spChg>
         <pc:spChg chg="add mod">
-          <ac:chgData name="Rupali Shah" userId="d04d540c693fdaed" providerId="LiveId" clId="{36922F98-5654-442A-97A5-CBEABFA09EEE}" dt="2018-04-04T18:51:05.367" v="998"/>
+          <ac:chgData name="Rupali Shah" userId="d04d540c693fdaed" providerId="LiveId" clId="{36922F98-5654-442A-97A5-CBEABFA09EEE}" dt="2018-04-04T18:51:05.367" v="998" actId="1076"/>
           <ac:spMkLst>
             <pc:docMk/>
             <pc:sldMk cId="2769338317" sldId="266"/>
@@ -3832,7 +3832,7 @@
           <a:p>
             <a:r>
               <a:rPr lang="en-US" sz="2000" dirty="0" err="1"/>
-              <a:t>SeouHung</a:t>
+              <a:t>SeouHong</a:t>
             </a:r>
             <a:r>
               <a:rPr lang="en-US" sz="2000" dirty="0"/>
@@ -4972,8 +4972,8 @@
         </p:blipFill>
         <p:spPr>
           <a:xfrm>
-            <a:off x="1253331" y="1825625"/>
-            <a:ext cx="4766470" cy="4351338"/>
+            <a:off x="867458" y="1506828"/>
+            <a:ext cx="5228542" cy="4773166"/>
           </a:xfrm>
         </p:spPr>
       </p:pic>

--- a/Final/Bitcoin Slides.pptx
+++ b/Final/Bitcoin Slides.pptx
@@ -3832,7 +3832,7 @@
           <a:p>
             <a:r>
               <a:rPr lang="en-US" sz="2000" dirty="0" err="1"/>
-              <a:t>SeouHong</a:t>
+              <a:t>SeoHong</a:t>
             </a:r>
             <a:r>
               <a:rPr lang="en-US" sz="2000" dirty="0"/>
@@ -4972,8 +4972,8 @@
         </p:blipFill>
         <p:spPr>
           <a:xfrm>
-            <a:off x="867458" y="1506828"/>
-            <a:ext cx="5228542" cy="4773166"/>
+            <a:off x="721217" y="1270293"/>
+            <a:ext cx="5507114" cy="5027476"/>
           </a:xfrm>
         </p:spPr>
       </p:pic>
@@ -4995,9 +4995,58 @@
         </p:nvSpPr>
         <p:spPr/>
         <p:txBody>
-          <a:bodyPr/>
-          <a:lstStyle/>
-          <a:p>
+          <a:bodyPr>
+            <a:normAutofit lnSpcReduction="10000"/>
+          </a:bodyPr>
+          <a:lstStyle/>
+          <a:p>
+            <a:r>
+              <a:rPr lang="en-US" dirty="0"/>
+              <a:t>Trading frequency was higher under $ 12,000 than over the value.</a:t>
+            </a:r>
+          </a:p>
+          <a:p>
+            <a:endParaRPr lang="en-US" dirty="0"/>
+          </a:p>
+          <a:p>
+            <a:r>
+              <a:rPr lang="en-US" dirty="0"/>
+              <a:t>Most</a:t>
+            </a:r>
+            <a:r>
+              <a:rPr lang="ko-KR" altLang="en-US" dirty="0"/>
+              <a:t> </a:t>
+            </a:r>
+            <a:r>
+              <a:rPr lang="en-US" altLang="ko-KR" dirty="0"/>
+              <a:t>of</a:t>
+            </a:r>
+            <a:r>
+              <a:rPr lang="ko-KR" altLang="en-US" dirty="0"/>
+              <a:t> </a:t>
+            </a:r>
+            <a:r>
+              <a:rPr lang="en-US" altLang="ko-KR" dirty="0"/>
+              <a:t>the transactions (99.5% of Total Trading Volume) took place below </a:t>
+            </a:r>
+            <a:r>
+              <a:rPr lang="en-US" dirty="0"/>
+              <a:t>$ 1,000 change.</a:t>
+            </a:r>
+          </a:p>
+          <a:p>
+            <a:endParaRPr lang="en-US" dirty="0"/>
+          </a:p>
+          <a:p>
+            <a:r>
+              <a:rPr lang="en-US" dirty="0"/>
+              <a:t>The larger Bitcoin Price Change, the larger Trading Volume.</a:t>
+            </a:r>
+          </a:p>
+          <a:p>
+            <a:pPr marL="0" indent="0">
+              <a:buNone/>
+            </a:pPr>
             <a:endParaRPr lang="en-US" dirty="0"/>
           </a:p>
         </p:txBody>
@@ -5119,7 +5168,19 @@
           <a:bodyPr/>
           <a:lstStyle/>
           <a:p>
+            <a:r>
+              <a:rPr lang="en-US" dirty="0"/>
+              <a:t>The larger Bitcoin Price Change, the larger the Trading Volume.</a:t>
+            </a:r>
+          </a:p>
+          <a:p>
             <a:endParaRPr lang="en-US" dirty="0"/>
+          </a:p>
+          <a:p>
+            <a:r>
+              <a:rPr lang="en-US" dirty="0"/>
+              <a:t>People tend to bear </a:t>
+            </a:r>
           </a:p>
         </p:txBody>
       </p:sp>
